--- a/chapter3/Convolutional Neural network.pptx
+++ b/chapter3/Convolutional Neural network.pptx
@@ -7,7 +7,12 @@
   <p:sldIdLst>
     <p:sldId id="256" r:id="rId2"/>
     <p:sldId id="258" r:id="rId3"/>
-    <p:sldId id="257" r:id="rId4"/>
+    <p:sldId id="259" r:id="rId4"/>
+    <p:sldId id="260" r:id="rId5"/>
+    <p:sldId id="261" r:id="rId6"/>
+    <p:sldId id="262" r:id="rId7"/>
+    <p:sldId id="263" r:id="rId8"/>
+    <p:sldId id="257" r:id="rId9"/>
   </p:sldIdLst>
   <p:sldSz cx="12192000" cy="6858000"/>
   <p:notesSz cx="6858000" cy="9144000"/>
@@ -106,6 +111,11 @@
       </a:defRPr>
     </a:lvl9pPr>
   </p:defaultTextStyle>
+  <p:extLst>
+    <p:ext uri="{EFAFB233-063F-42B5-8137-9DF3F51BA10A}">
+      <p15:sldGuideLst xmlns:p15="http://schemas.microsoft.com/office/powerpoint/2012/main"/>
+    </p:ext>
+  </p:extLst>
 </p:presentation>
 </file>
 
@@ -3350,7 +3360,7 @@
           <a:p>
             <a:r>
               <a:rPr lang="en-US" dirty="0"/>
-              <a:t>Convolutional Neural Network</a:t>
+              <a:t>Deep Convolutional Neural Network (DCNN)</a:t>
             </a:r>
           </a:p>
         </p:txBody>
@@ -3442,7 +3452,7 @@
           <a:p>
             <a:r>
               <a:rPr lang="en-US" dirty="0"/>
-              <a:t>Why Convolutional Layer?</a:t>
+              <a:t>Convolutional Layer</a:t>
             </a:r>
           </a:p>
         </p:txBody>
@@ -3491,21 +3501,21 @@
             </a:r>
           </a:p>
           <a:p>
-            <a:endParaRPr lang="en-US" dirty="0"/>
-          </a:p>
-          <a:p>
             <a:r>
               <a:rPr lang="en-US" dirty="0"/>
               <a:t>Well suited for classifying images.</a:t>
             </a:r>
           </a:p>
           <a:p>
-            <a:endParaRPr lang="en-US" dirty="0"/>
-          </a:p>
-          <a:p>
             <a:r>
               <a:rPr lang="en-US" dirty="0"/>
               <a:t>The network resembles ‘visual cortex’ in brain.</a:t>
+            </a:r>
+          </a:p>
+          <a:p>
+            <a:r>
+              <a:rPr lang="en-US" dirty="0"/>
+              <a:t>Not limited to images but also applied to text, video, and speech.</a:t>
             </a:r>
           </a:p>
         </p:txBody>
@@ -3539,8 +3549,8 @@
         </p:blipFill>
         <p:spPr bwMode="auto">
           <a:xfrm>
-            <a:off x="8114191" y="2382329"/>
-            <a:ext cx="2536054" cy="1624467"/>
+            <a:off x="8531441" y="256603"/>
+            <a:ext cx="2449497" cy="1569022"/>
           </a:xfrm>
           <a:prstGeom prst="rect">
             <a:avLst/>
@@ -3715,7 +3725,7 @@
         </p:blipFill>
         <p:spPr bwMode="auto">
           <a:xfrm>
-            <a:off x="8114191" y="4120940"/>
+            <a:off x="9197258" y="4340929"/>
             <a:ext cx="2771454" cy="1818767"/>
           </a:xfrm>
           <a:prstGeom prst="rect">
@@ -3795,6 +3805,2196 @@
 </file>
 
 <file path=ppt/slides/slide3.xml><?xml version="1.0" encoding="utf-8"?>
+<p:sld xmlns:a="http://schemas.openxmlformats.org/drawingml/2006/main" xmlns:r="http://schemas.openxmlformats.org/officeDocument/2006/relationships" xmlns:p="http://schemas.openxmlformats.org/presentationml/2006/main">
+  <p:cSld>
+    <p:spTree>
+      <p:nvGrpSpPr>
+        <p:cNvPr id="1" name=""/>
+        <p:cNvGrpSpPr/>
+        <p:nvPr/>
+      </p:nvGrpSpPr>
+      <p:grpSpPr>
+        <a:xfrm>
+          <a:off x="0" y="0"/>
+          <a:ext cx="0" cy="0"/>
+          <a:chOff x="0" y="0"/>
+          <a:chExt cx="0" cy="0"/>
+        </a:xfrm>
+      </p:grpSpPr>
+      <p:sp>
+        <p:nvSpPr>
+          <p:cNvPr id="2" name="Title 1">
+            <a:extLst>
+              <a:ext uri="{FF2B5EF4-FFF2-40B4-BE49-F238E27FC236}">
+                <a16:creationId xmlns:a16="http://schemas.microsoft.com/office/drawing/2014/main" id="{0795B52B-FA40-4399-B08E-F569631D54C2}"/>
+              </a:ext>
+            </a:extLst>
+          </p:cNvPr>
+          <p:cNvSpPr>
+            <a:spLocks noGrp="1"/>
+          </p:cNvSpPr>
+          <p:nvPr>
+            <p:ph type="title"/>
+          </p:nvPr>
+        </p:nvSpPr>
+        <p:spPr/>
+        <p:txBody>
+          <a:bodyPr/>
+          <a:lstStyle/>
+          <a:p>
+            <a:r>
+              <a:rPr lang="en-US" dirty="0"/>
+              <a:t>Deep convolutional neural network (DCNN)</a:t>
+            </a:r>
+          </a:p>
+        </p:txBody>
+      </p:sp>
+      <p:sp>
+        <p:nvSpPr>
+          <p:cNvPr id="3" name="Content Placeholder 2">
+            <a:extLst>
+              <a:ext uri="{FF2B5EF4-FFF2-40B4-BE49-F238E27FC236}">
+                <a16:creationId xmlns:a16="http://schemas.microsoft.com/office/drawing/2014/main" id="{8C8A58F7-40AF-449B-996E-F500C86980DA}"/>
+              </a:ext>
+            </a:extLst>
+          </p:cNvPr>
+          <p:cNvSpPr>
+            <a:spLocks noGrp="1"/>
+          </p:cNvSpPr>
+          <p:nvPr>
+            <p:ph idx="1"/>
+          </p:nvPr>
+        </p:nvSpPr>
+        <p:spPr/>
+        <p:txBody>
+          <a:bodyPr/>
+          <a:lstStyle/>
+          <a:p>
+            <a:r>
+              <a:rPr lang="en-US" dirty="0"/>
+              <a:t>Multiple layers of convolutional layer, activation, pooling, etc.</a:t>
+            </a:r>
+          </a:p>
+          <a:p>
+            <a:endParaRPr lang="en-US" dirty="0"/>
+          </a:p>
+          <a:p>
+            <a:r>
+              <a:rPr lang="en-US" dirty="0"/>
+              <a:t>Convolutional and pooling layers are alternated.</a:t>
+            </a:r>
+          </a:p>
+          <a:p>
+            <a:endParaRPr lang="en-US" dirty="0"/>
+          </a:p>
+          <a:p>
+            <a:r>
+              <a:rPr lang="en-US" dirty="0"/>
+              <a:t>The last stage of sequential model is made up of one or more fully connected layers.</a:t>
+            </a:r>
+          </a:p>
+          <a:p>
+            <a:endParaRPr lang="en-US" dirty="0"/>
+          </a:p>
+          <a:p>
+            <a:r>
+              <a:rPr lang="en-US" dirty="0"/>
+              <a:t>Lets discuss MNIST database images for illustration</a:t>
+            </a:r>
+          </a:p>
+        </p:txBody>
+      </p:sp>
+    </p:spTree>
+    <p:extLst>
+      <p:ext uri="{BB962C8B-B14F-4D97-AF65-F5344CB8AC3E}">
+        <p14:creationId xmlns:p14="http://schemas.microsoft.com/office/powerpoint/2010/main" val="4225423637"/>
+      </p:ext>
+    </p:extLst>
+  </p:cSld>
+  <p:clrMapOvr>
+    <a:masterClrMapping/>
+  </p:clrMapOvr>
+</p:sld>
+</file>
+
+<file path=ppt/slides/slide4.xml><?xml version="1.0" encoding="utf-8"?>
+<p:sld xmlns:a="http://schemas.openxmlformats.org/drawingml/2006/main" xmlns:r="http://schemas.openxmlformats.org/officeDocument/2006/relationships" xmlns:p="http://schemas.openxmlformats.org/presentationml/2006/main">
+  <p:cSld>
+    <p:spTree>
+      <p:nvGrpSpPr>
+        <p:cNvPr id="1" name=""/>
+        <p:cNvGrpSpPr/>
+        <p:nvPr/>
+      </p:nvGrpSpPr>
+      <p:grpSpPr>
+        <a:xfrm>
+          <a:off x="0" y="0"/>
+          <a:ext cx="0" cy="0"/>
+          <a:chOff x="0" y="0"/>
+          <a:chExt cx="0" cy="0"/>
+        </a:xfrm>
+      </p:grpSpPr>
+      <p:sp>
+        <p:nvSpPr>
+          <p:cNvPr id="2" name="Title 1">
+            <a:extLst>
+              <a:ext uri="{FF2B5EF4-FFF2-40B4-BE49-F238E27FC236}">
+                <a16:creationId xmlns:a16="http://schemas.microsoft.com/office/drawing/2014/main" id="{32F2B134-EAB5-4F3D-A1F0-AC23FB858B3F}"/>
+              </a:ext>
+            </a:extLst>
+          </p:cNvPr>
+          <p:cNvSpPr>
+            <a:spLocks noGrp="1"/>
+          </p:cNvSpPr>
+          <p:nvPr>
+            <p:ph type="title"/>
+          </p:nvPr>
+        </p:nvSpPr>
+        <p:spPr/>
+        <p:txBody>
+          <a:bodyPr/>
+          <a:lstStyle/>
+          <a:p>
+            <a:r>
+              <a:rPr lang="en-US" dirty="0"/>
+              <a:t>MNIST image (Handwritten digits 0-9)</a:t>
+            </a:r>
+          </a:p>
+        </p:txBody>
+      </p:sp>
+      <p:sp>
+        <p:nvSpPr>
+          <p:cNvPr id="4" name="Rectangle 3">
+            <a:extLst>
+              <a:ext uri="{FF2B5EF4-FFF2-40B4-BE49-F238E27FC236}">
+                <a16:creationId xmlns:a16="http://schemas.microsoft.com/office/drawing/2014/main" id="{F96E3BD5-1491-4B20-B0B5-34CD1C2CA0CB}"/>
+              </a:ext>
+            </a:extLst>
+          </p:cNvPr>
+          <p:cNvSpPr/>
+          <p:nvPr/>
+        </p:nvSpPr>
+        <p:spPr>
+          <a:xfrm>
+            <a:off x="1331650" y="2068497"/>
+            <a:ext cx="2494626" cy="1793290"/>
+          </a:xfrm>
+          <a:prstGeom prst="rect">
+            <a:avLst/>
+          </a:prstGeom>
+          <a:ln w="38100"/>
+        </p:spPr>
+        <p:style>
+          <a:lnRef idx="2">
+            <a:schemeClr val="accent1"/>
+          </a:lnRef>
+          <a:fillRef idx="1">
+            <a:schemeClr val="lt1"/>
+          </a:fillRef>
+          <a:effectRef idx="0">
+            <a:schemeClr val="accent1"/>
+          </a:effectRef>
+          <a:fontRef idx="minor">
+            <a:schemeClr val="dk1"/>
+          </a:fontRef>
+        </p:style>
+        <p:txBody>
+          <a:bodyPr rtlCol="0" anchor="ctr"/>
+          <a:lstStyle/>
+          <a:p>
+            <a:pPr algn="ctr"/>
+            <a:r>
+              <a:rPr lang="en-US" sz="9600" dirty="0">
+                <a:solidFill>
+                  <a:srgbClr val="FF0000"/>
+                </a:solidFill>
+                <a:latin typeface="Lucida Handwriting" panose="03010101010101010101" pitchFamily="66" charset="0"/>
+              </a:rPr>
+              <a:t>9</a:t>
+            </a:r>
+          </a:p>
+        </p:txBody>
+      </p:sp>
+      <p:sp>
+        <p:nvSpPr>
+          <p:cNvPr id="5" name="TextBox 4">
+            <a:extLst>
+              <a:ext uri="{FF2B5EF4-FFF2-40B4-BE49-F238E27FC236}">
+                <a16:creationId xmlns:a16="http://schemas.microsoft.com/office/drawing/2014/main" id="{4BAE14D2-E64C-4CCD-8285-CE3A2C34405D}"/>
+              </a:ext>
+            </a:extLst>
+          </p:cNvPr>
+          <p:cNvSpPr txBox="1"/>
+          <p:nvPr/>
+        </p:nvSpPr>
+        <p:spPr>
+          <a:xfrm>
+            <a:off x="2369611" y="3986073"/>
+            <a:ext cx="418704" cy="369332"/>
+          </a:xfrm>
+          <a:prstGeom prst="rect">
+            <a:avLst/>
+          </a:prstGeom>
+          <a:noFill/>
+        </p:spPr>
+        <p:txBody>
+          <a:bodyPr wrap="none" rtlCol="0">
+            <a:spAutoFit/>
+          </a:bodyPr>
+          <a:lstStyle/>
+          <a:p>
+            <a:r>
+              <a:rPr lang="en-US" dirty="0"/>
+              <a:t>28</a:t>
+            </a:r>
+          </a:p>
+        </p:txBody>
+      </p:sp>
+      <p:sp>
+        <p:nvSpPr>
+          <p:cNvPr id="6" name="TextBox 5">
+            <a:extLst>
+              <a:ext uri="{FF2B5EF4-FFF2-40B4-BE49-F238E27FC236}">
+                <a16:creationId xmlns:a16="http://schemas.microsoft.com/office/drawing/2014/main" id="{CFB66C6A-D629-4602-8876-5A0B6C504586}"/>
+              </a:ext>
+            </a:extLst>
+          </p:cNvPr>
+          <p:cNvSpPr txBox="1"/>
+          <p:nvPr/>
+        </p:nvSpPr>
+        <p:spPr>
+          <a:xfrm>
+            <a:off x="3933561" y="2780476"/>
+            <a:ext cx="418704" cy="369332"/>
+          </a:xfrm>
+          <a:prstGeom prst="rect">
+            <a:avLst/>
+          </a:prstGeom>
+          <a:noFill/>
+        </p:spPr>
+        <p:txBody>
+          <a:bodyPr wrap="none" rtlCol="0">
+            <a:spAutoFit/>
+          </a:bodyPr>
+          <a:lstStyle/>
+          <a:p>
+            <a:r>
+              <a:rPr lang="en-US" dirty="0"/>
+              <a:t>28</a:t>
+            </a:r>
+          </a:p>
+        </p:txBody>
+      </p:sp>
+      <p:cxnSp>
+        <p:nvCxnSpPr>
+          <p:cNvPr id="8" name="Straight Arrow Connector 7">
+            <a:extLst>
+              <a:ext uri="{FF2B5EF4-FFF2-40B4-BE49-F238E27FC236}">
+                <a16:creationId xmlns:a16="http://schemas.microsoft.com/office/drawing/2014/main" id="{BE8EF870-EF77-4C19-B0D2-17C79E8F1A1E}"/>
+              </a:ext>
+            </a:extLst>
+          </p:cNvPr>
+          <p:cNvCxnSpPr>
+            <a:stCxn id="5" idx="1"/>
+          </p:cNvCxnSpPr>
+          <p:nvPr/>
+        </p:nvCxnSpPr>
+        <p:spPr>
+          <a:xfrm flipH="1">
+            <a:off x="1411550" y="4170739"/>
+            <a:ext cx="958061" cy="0"/>
+          </a:xfrm>
+          <a:prstGeom prst="straightConnector1">
+            <a:avLst/>
+          </a:prstGeom>
+          <a:ln>
+            <a:tailEnd type="triangle"/>
+          </a:ln>
+        </p:spPr>
+        <p:style>
+          <a:lnRef idx="1">
+            <a:schemeClr val="accent1"/>
+          </a:lnRef>
+          <a:fillRef idx="0">
+            <a:schemeClr val="accent1"/>
+          </a:fillRef>
+          <a:effectRef idx="0">
+            <a:schemeClr val="accent1"/>
+          </a:effectRef>
+          <a:fontRef idx="minor">
+            <a:schemeClr val="tx1"/>
+          </a:fontRef>
+        </p:style>
+      </p:cxnSp>
+      <p:cxnSp>
+        <p:nvCxnSpPr>
+          <p:cNvPr id="10" name="Straight Arrow Connector 9">
+            <a:extLst>
+              <a:ext uri="{FF2B5EF4-FFF2-40B4-BE49-F238E27FC236}">
+                <a16:creationId xmlns:a16="http://schemas.microsoft.com/office/drawing/2014/main" id="{CBABD89A-491D-4743-973A-8F96F75C74BB}"/>
+              </a:ext>
+            </a:extLst>
+          </p:cNvPr>
+          <p:cNvCxnSpPr>
+            <a:stCxn id="5" idx="3"/>
+          </p:cNvCxnSpPr>
+          <p:nvPr/>
+        </p:nvCxnSpPr>
+        <p:spPr>
+          <a:xfrm>
+            <a:off x="2788315" y="4170739"/>
+            <a:ext cx="1037961" cy="0"/>
+          </a:xfrm>
+          <a:prstGeom prst="straightConnector1">
+            <a:avLst/>
+          </a:prstGeom>
+          <a:ln>
+            <a:tailEnd type="triangle"/>
+          </a:ln>
+        </p:spPr>
+        <p:style>
+          <a:lnRef idx="1">
+            <a:schemeClr val="accent1"/>
+          </a:lnRef>
+          <a:fillRef idx="0">
+            <a:schemeClr val="accent1"/>
+          </a:fillRef>
+          <a:effectRef idx="0">
+            <a:schemeClr val="accent1"/>
+          </a:effectRef>
+          <a:fontRef idx="minor">
+            <a:schemeClr val="tx1"/>
+          </a:fontRef>
+        </p:style>
+      </p:cxnSp>
+      <p:sp>
+        <p:nvSpPr>
+          <p:cNvPr id="14" name="TextBox 13">
+            <a:extLst>
+              <a:ext uri="{FF2B5EF4-FFF2-40B4-BE49-F238E27FC236}">
+                <a16:creationId xmlns:a16="http://schemas.microsoft.com/office/drawing/2014/main" id="{10C81D1B-7238-4E92-BB76-1CE4EEDBCE01}"/>
+              </a:ext>
+            </a:extLst>
+          </p:cNvPr>
+          <p:cNvSpPr txBox="1"/>
+          <p:nvPr/>
+        </p:nvSpPr>
+        <p:spPr>
+          <a:xfrm>
+            <a:off x="1569893" y="1729355"/>
+            <a:ext cx="418704" cy="369332"/>
+          </a:xfrm>
+          <a:prstGeom prst="rect">
+            <a:avLst/>
+          </a:prstGeom>
+          <a:noFill/>
+        </p:spPr>
+        <p:txBody>
+          <a:bodyPr wrap="none" rtlCol="0">
+            <a:spAutoFit/>
+          </a:bodyPr>
+          <a:lstStyle/>
+          <a:p>
+            <a:r>
+              <a:rPr lang="en-US" dirty="0"/>
+              <a:t>10</a:t>
+            </a:r>
+          </a:p>
+        </p:txBody>
+      </p:sp>
+      <p:cxnSp>
+        <p:nvCxnSpPr>
+          <p:cNvPr id="16" name="Straight Arrow Connector 15">
+            <a:extLst>
+              <a:ext uri="{FF2B5EF4-FFF2-40B4-BE49-F238E27FC236}">
+                <a16:creationId xmlns:a16="http://schemas.microsoft.com/office/drawing/2014/main" id="{7526FD4D-D897-4575-85E0-C9B73547BBF7}"/>
+              </a:ext>
+            </a:extLst>
+          </p:cNvPr>
+          <p:cNvCxnSpPr>
+            <a:cxnSpLocks/>
+            <a:stCxn id="14" idx="1"/>
+          </p:cNvCxnSpPr>
+          <p:nvPr/>
+        </p:nvCxnSpPr>
+        <p:spPr>
+          <a:xfrm flipH="1">
+            <a:off x="1331649" y="1914021"/>
+            <a:ext cx="238244" cy="0"/>
+          </a:xfrm>
+          <a:prstGeom prst="straightConnector1">
+            <a:avLst/>
+          </a:prstGeom>
+          <a:ln>
+            <a:tailEnd type="triangle"/>
+          </a:ln>
+        </p:spPr>
+        <p:style>
+          <a:lnRef idx="1">
+            <a:schemeClr val="accent1"/>
+          </a:lnRef>
+          <a:fillRef idx="0">
+            <a:schemeClr val="accent1"/>
+          </a:fillRef>
+          <a:effectRef idx="0">
+            <a:schemeClr val="accent1"/>
+          </a:effectRef>
+          <a:fontRef idx="minor">
+            <a:schemeClr val="tx1"/>
+          </a:fontRef>
+        </p:style>
+      </p:cxnSp>
+      <p:cxnSp>
+        <p:nvCxnSpPr>
+          <p:cNvPr id="18" name="Straight Arrow Connector 17">
+            <a:extLst>
+              <a:ext uri="{FF2B5EF4-FFF2-40B4-BE49-F238E27FC236}">
+                <a16:creationId xmlns:a16="http://schemas.microsoft.com/office/drawing/2014/main" id="{85BC7BE3-D77D-40AD-8A46-A333F5499562}"/>
+              </a:ext>
+            </a:extLst>
+          </p:cNvPr>
+          <p:cNvCxnSpPr>
+            <a:cxnSpLocks/>
+            <a:stCxn id="14" idx="3"/>
+          </p:cNvCxnSpPr>
+          <p:nvPr/>
+        </p:nvCxnSpPr>
+        <p:spPr>
+          <a:xfrm>
+            <a:off x="1988597" y="1914021"/>
+            <a:ext cx="266331" cy="0"/>
+          </a:xfrm>
+          <a:prstGeom prst="straightConnector1">
+            <a:avLst/>
+          </a:prstGeom>
+          <a:ln>
+            <a:tailEnd type="triangle"/>
+          </a:ln>
+        </p:spPr>
+        <p:style>
+          <a:lnRef idx="1">
+            <a:schemeClr val="accent1"/>
+          </a:lnRef>
+          <a:fillRef idx="0">
+            <a:schemeClr val="accent1"/>
+          </a:fillRef>
+          <a:effectRef idx="0">
+            <a:schemeClr val="accent1"/>
+          </a:effectRef>
+          <a:fontRef idx="minor">
+            <a:schemeClr val="tx1"/>
+          </a:fontRef>
+        </p:style>
+      </p:cxnSp>
+      <p:cxnSp>
+        <p:nvCxnSpPr>
+          <p:cNvPr id="24" name="Straight Connector 23">
+            <a:extLst>
+              <a:ext uri="{FF2B5EF4-FFF2-40B4-BE49-F238E27FC236}">
+                <a16:creationId xmlns:a16="http://schemas.microsoft.com/office/drawing/2014/main" id="{D9A71524-4C6A-4BA3-9C05-6ADB2EDDB289}"/>
+              </a:ext>
+            </a:extLst>
+          </p:cNvPr>
+          <p:cNvCxnSpPr/>
+          <p:nvPr/>
+        </p:nvCxnSpPr>
+        <p:spPr>
+          <a:xfrm>
+            <a:off x="2254928" y="2068497"/>
+            <a:ext cx="0" cy="711979"/>
+          </a:xfrm>
+          <a:prstGeom prst="line">
+            <a:avLst/>
+          </a:prstGeom>
+          <a:ln w="38100"/>
+        </p:spPr>
+        <p:style>
+          <a:lnRef idx="1">
+            <a:schemeClr val="accent1"/>
+          </a:lnRef>
+          <a:fillRef idx="0">
+            <a:schemeClr val="accent1"/>
+          </a:fillRef>
+          <a:effectRef idx="0">
+            <a:schemeClr val="accent1"/>
+          </a:effectRef>
+          <a:fontRef idx="minor">
+            <a:schemeClr val="tx1"/>
+          </a:fontRef>
+        </p:style>
+      </p:cxnSp>
+      <p:cxnSp>
+        <p:nvCxnSpPr>
+          <p:cNvPr id="26" name="Straight Connector 25">
+            <a:extLst>
+              <a:ext uri="{FF2B5EF4-FFF2-40B4-BE49-F238E27FC236}">
+                <a16:creationId xmlns:a16="http://schemas.microsoft.com/office/drawing/2014/main" id="{28572519-FDAE-4AAD-89DF-3E7EBC5EEB88}"/>
+              </a:ext>
+            </a:extLst>
+          </p:cNvPr>
+          <p:cNvCxnSpPr/>
+          <p:nvPr/>
+        </p:nvCxnSpPr>
+        <p:spPr>
+          <a:xfrm>
+            <a:off x="1331649" y="2780476"/>
+            <a:ext cx="923279" cy="0"/>
+          </a:xfrm>
+          <a:prstGeom prst="line">
+            <a:avLst/>
+          </a:prstGeom>
+          <a:ln w="38100"/>
+        </p:spPr>
+        <p:style>
+          <a:lnRef idx="1">
+            <a:schemeClr val="accent1"/>
+          </a:lnRef>
+          <a:fillRef idx="0">
+            <a:schemeClr val="accent1"/>
+          </a:fillRef>
+          <a:effectRef idx="0">
+            <a:schemeClr val="accent1"/>
+          </a:effectRef>
+          <a:fontRef idx="minor">
+            <a:schemeClr val="tx1"/>
+          </a:fontRef>
+        </p:style>
+      </p:cxnSp>
+      <p:sp>
+        <p:nvSpPr>
+          <p:cNvPr id="30" name="TextBox 29">
+            <a:extLst>
+              <a:ext uri="{FF2B5EF4-FFF2-40B4-BE49-F238E27FC236}">
+                <a16:creationId xmlns:a16="http://schemas.microsoft.com/office/drawing/2014/main" id="{4C53EB55-B7CA-4F47-803F-5803E5579CF6}"/>
+              </a:ext>
+            </a:extLst>
+          </p:cNvPr>
+          <p:cNvSpPr txBox="1"/>
+          <p:nvPr/>
+        </p:nvSpPr>
+        <p:spPr>
+          <a:xfrm>
+            <a:off x="4953740" y="2618913"/>
+            <a:ext cx="5020285" cy="1754326"/>
+          </a:xfrm>
+          <a:prstGeom prst="rect">
+            <a:avLst/>
+          </a:prstGeom>
+          <a:noFill/>
+        </p:spPr>
+        <p:txBody>
+          <a:bodyPr wrap="none" rtlCol="0">
+            <a:spAutoFit/>
+          </a:bodyPr>
+          <a:lstStyle/>
+          <a:p>
+            <a:r>
+              <a:rPr lang="en-US" dirty="0"/>
+              <a:t>Number of 10 by 10 submatrix which can be </a:t>
+            </a:r>
+          </a:p>
+          <a:p>
+            <a:r>
+              <a:rPr lang="en-US" dirty="0"/>
+              <a:t>generated by shifting it one unit either to right</a:t>
+            </a:r>
+          </a:p>
+          <a:p>
+            <a:r>
+              <a:rPr lang="en-US" dirty="0"/>
+              <a:t>or down = (28 -10) times (28-10) = 18 * 18</a:t>
+            </a:r>
+          </a:p>
+          <a:p>
+            <a:endParaRPr lang="en-US" dirty="0"/>
+          </a:p>
+          <a:p>
+            <a:r>
+              <a:rPr lang="en-US" dirty="0"/>
+              <a:t>Each submatrix is represented by one neuron in the</a:t>
+            </a:r>
+          </a:p>
+          <a:p>
+            <a:r>
+              <a:rPr lang="en-US" dirty="0"/>
+              <a:t>convolutional layer.</a:t>
+            </a:r>
+          </a:p>
+        </p:txBody>
+      </p:sp>
+      <p:sp>
+        <p:nvSpPr>
+          <p:cNvPr id="31" name="TextBox 30">
+            <a:extLst>
+              <a:ext uri="{FF2B5EF4-FFF2-40B4-BE49-F238E27FC236}">
+                <a16:creationId xmlns:a16="http://schemas.microsoft.com/office/drawing/2014/main" id="{EFD6A423-BBD3-47BC-931B-580A9BEE5174}"/>
+              </a:ext>
+            </a:extLst>
+          </p:cNvPr>
+          <p:cNvSpPr txBox="1"/>
+          <p:nvPr/>
+        </p:nvSpPr>
+        <p:spPr>
+          <a:xfrm>
+            <a:off x="838200" y="5504155"/>
+            <a:ext cx="9726573" cy="369332"/>
+          </a:xfrm>
+          <a:prstGeom prst="rect">
+            <a:avLst/>
+          </a:prstGeom>
+          <a:noFill/>
+        </p:spPr>
+        <p:txBody>
+          <a:bodyPr wrap="none" rtlCol="0">
+            <a:spAutoFit/>
+          </a:bodyPr>
+          <a:lstStyle/>
+          <a:p>
+            <a:r>
+              <a:rPr lang="en-US" dirty="0"/>
+              <a:t>In </a:t>
+            </a:r>
+            <a:r>
+              <a:rPr lang="en-US" dirty="0" err="1"/>
+              <a:t>Keras</a:t>
+            </a:r>
+            <a:r>
+              <a:rPr lang="en-US" dirty="0"/>
+              <a:t>, size of each single submatrix is called </a:t>
+            </a:r>
+            <a:r>
+              <a:rPr lang="en-US" dirty="0">
+                <a:solidFill>
+                  <a:srgbClr val="0070C0"/>
+                </a:solidFill>
+              </a:rPr>
+              <a:t>stride length </a:t>
+            </a:r>
+            <a:r>
+              <a:rPr lang="en-US" dirty="0"/>
+              <a:t>which can be changed by the programmer.</a:t>
+            </a:r>
+          </a:p>
+        </p:txBody>
+      </p:sp>
+    </p:spTree>
+    <p:extLst>
+      <p:ext uri="{BB962C8B-B14F-4D97-AF65-F5344CB8AC3E}">
+        <p14:creationId xmlns:p14="http://schemas.microsoft.com/office/powerpoint/2010/main" val="1860567935"/>
+      </p:ext>
+    </p:extLst>
+  </p:cSld>
+  <p:clrMapOvr>
+    <a:masterClrMapping/>
+  </p:clrMapOvr>
+</p:sld>
+</file>
+
+<file path=ppt/slides/slide5.xml><?xml version="1.0" encoding="utf-8"?>
+<p:sld xmlns:a="http://schemas.openxmlformats.org/drawingml/2006/main" xmlns:r="http://schemas.openxmlformats.org/officeDocument/2006/relationships" xmlns:p="http://schemas.openxmlformats.org/presentationml/2006/main">
+  <p:cSld>
+    <p:spTree>
+      <p:nvGrpSpPr>
+        <p:cNvPr id="1" name=""/>
+        <p:cNvGrpSpPr/>
+        <p:nvPr/>
+      </p:nvGrpSpPr>
+      <p:grpSpPr>
+        <a:xfrm>
+          <a:off x="0" y="0"/>
+          <a:ext cx="0" cy="0"/>
+          <a:chOff x="0" y="0"/>
+          <a:chExt cx="0" cy="0"/>
+        </a:xfrm>
+      </p:grpSpPr>
+      <p:sp>
+        <p:nvSpPr>
+          <p:cNvPr id="2" name="Title 1">
+            <a:extLst>
+              <a:ext uri="{FF2B5EF4-FFF2-40B4-BE49-F238E27FC236}">
+                <a16:creationId xmlns:a16="http://schemas.microsoft.com/office/drawing/2014/main" id="{563E907F-B038-4C4C-BFC8-E9A363F9D3E4}"/>
+              </a:ext>
+            </a:extLst>
+          </p:cNvPr>
+          <p:cNvSpPr>
+            <a:spLocks noGrp="1"/>
+          </p:cNvSpPr>
+          <p:nvPr>
+            <p:ph type="title"/>
+          </p:nvPr>
+        </p:nvSpPr>
+        <p:spPr/>
+        <p:txBody>
+          <a:bodyPr/>
+          <a:lstStyle/>
+          <a:p>
+            <a:r>
+              <a:rPr lang="en-US" dirty="0"/>
+              <a:t>Performance variation over different dimensions</a:t>
+            </a:r>
+          </a:p>
+        </p:txBody>
+      </p:sp>
+      <p:sp>
+        <p:nvSpPr>
+          <p:cNvPr id="3" name="Content Placeholder 2">
+            <a:extLst>
+              <a:ext uri="{FF2B5EF4-FFF2-40B4-BE49-F238E27FC236}">
+                <a16:creationId xmlns:a16="http://schemas.microsoft.com/office/drawing/2014/main" id="{D79FF861-3A37-4BD1-A6D4-9F3F33977C0F}"/>
+              </a:ext>
+            </a:extLst>
+          </p:cNvPr>
+          <p:cNvSpPr>
+            <a:spLocks noGrp="1"/>
+          </p:cNvSpPr>
+          <p:nvPr>
+            <p:ph idx="1"/>
+          </p:nvPr>
+        </p:nvSpPr>
+        <p:spPr/>
+        <p:txBody>
+          <a:bodyPr/>
+          <a:lstStyle/>
+          <a:p>
+            <a:r>
+              <a:rPr lang="en-US" dirty="0"/>
+              <a:t>Number of layers</a:t>
+            </a:r>
+          </a:p>
+          <a:p>
+            <a:endParaRPr lang="en-US" dirty="0"/>
+          </a:p>
+          <a:p>
+            <a:r>
+              <a:rPr lang="en-US" dirty="0"/>
+              <a:t>Stride length</a:t>
+            </a:r>
+          </a:p>
+        </p:txBody>
+      </p:sp>
+    </p:spTree>
+    <p:extLst>
+      <p:ext uri="{BB962C8B-B14F-4D97-AF65-F5344CB8AC3E}">
+        <p14:creationId xmlns:p14="http://schemas.microsoft.com/office/powerpoint/2010/main" val="3610130152"/>
+      </p:ext>
+    </p:extLst>
+  </p:cSld>
+  <p:clrMapOvr>
+    <a:masterClrMapping/>
+  </p:clrMapOvr>
+</p:sld>
+</file>
+
+<file path=ppt/slides/slide6.xml><?xml version="1.0" encoding="utf-8"?>
+<p:sld xmlns:a="http://schemas.openxmlformats.org/drawingml/2006/main" xmlns:r="http://schemas.openxmlformats.org/officeDocument/2006/relationships" xmlns:p="http://schemas.openxmlformats.org/presentationml/2006/main">
+  <p:cSld>
+    <p:spTree>
+      <p:nvGrpSpPr>
+        <p:cNvPr id="1" name=""/>
+        <p:cNvGrpSpPr/>
+        <p:nvPr/>
+      </p:nvGrpSpPr>
+      <p:grpSpPr>
+        <a:xfrm>
+          <a:off x="0" y="0"/>
+          <a:ext cx="0" cy="0"/>
+          <a:chOff x="0" y="0"/>
+          <a:chExt cx="0" cy="0"/>
+        </a:xfrm>
+      </p:grpSpPr>
+      <p:sp>
+        <p:nvSpPr>
+          <p:cNvPr id="2" name="Title 1">
+            <a:extLst>
+              <a:ext uri="{FF2B5EF4-FFF2-40B4-BE49-F238E27FC236}">
+                <a16:creationId xmlns:a16="http://schemas.microsoft.com/office/drawing/2014/main" id="{18BDFE5D-D68C-4A5F-83D4-6ABA096BE86C}"/>
+              </a:ext>
+            </a:extLst>
+          </p:cNvPr>
+          <p:cNvSpPr>
+            <a:spLocks noGrp="1"/>
+          </p:cNvSpPr>
+          <p:nvPr>
+            <p:ph type="title"/>
+          </p:nvPr>
+        </p:nvSpPr>
+        <p:spPr/>
+        <p:txBody>
+          <a:bodyPr/>
+          <a:lstStyle/>
+          <a:p>
+            <a:r>
+              <a:rPr lang="en-US" dirty="0"/>
+              <a:t>Pooling layers</a:t>
+            </a:r>
+          </a:p>
+        </p:txBody>
+      </p:sp>
+      <p:graphicFrame>
+        <p:nvGraphicFramePr>
+          <p:cNvPr id="4" name="Table 3">
+            <a:extLst>
+              <a:ext uri="{FF2B5EF4-FFF2-40B4-BE49-F238E27FC236}">
+                <a16:creationId xmlns:a16="http://schemas.microsoft.com/office/drawing/2014/main" id="{ADDE7B30-FD3E-43E4-B46A-DEA4B3A5AD4E}"/>
+              </a:ext>
+            </a:extLst>
+          </p:cNvPr>
+          <p:cNvGraphicFramePr>
+            <a:graphicFrameLocks noGrp="1"/>
+          </p:cNvGraphicFramePr>
+          <p:nvPr>
+            <p:extLst>
+              <p:ext uri="{D42A27DB-BD31-4B8C-83A1-F6EECF244321}">
+                <p14:modId xmlns:p14="http://schemas.microsoft.com/office/powerpoint/2010/main" val="4084980048"/>
+              </p:ext>
+            </p:extLst>
+          </p:nvPr>
+        </p:nvGraphicFramePr>
+        <p:xfrm>
+          <a:off x="3594473" y="1563042"/>
+          <a:ext cx="3223580" cy="1483360"/>
+        </p:xfrm>
+        <a:graphic>
+          <a:graphicData uri="http://schemas.openxmlformats.org/drawingml/2006/table">
+            <a:tbl>
+              <a:tblPr firstRow="1" bandRow="1">
+                <a:tableStyleId>{D7AC3CCA-C797-4891-BE02-D94E43425B78}</a:tableStyleId>
+              </a:tblPr>
+              <a:tblGrid>
+                <a:gridCol w="844365">
+                  <a:extLst>
+                    <a:ext uri="{9D8B030D-6E8A-4147-A177-3AD203B41FA5}">
+                      <a16:colId xmlns:a16="http://schemas.microsoft.com/office/drawing/2014/main" val="3286895470"/>
+                    </a:ext>
+                  </a:extLst>
+                </a:gridCol>
+                <a:gridCol w="816745">
+                  <a:extLst>
+                    <a:ext uri="{9D8B030D-6E8A-4147-A177-3AD203B41FA5}">
+                      <a16:colId xmlns:a16="http://schemas.microsoft.com/office/drawing/2014/main" val="2842845376"/>
+                    </a:ext>
+                  </a:extLst>
+                </a:gridCol>
+                <a:gridCol w="790113">
+                  <a:extLst>
+                    <a:ext uri="{9D8B030D-6E8A-4147-A177-3AD203B41FA5}">
+                      <a16:colId xmlns:a16="http://schemas.microsoft.com/office/drawing/2014/main" val="2341829458"/>
+                    </a:ext>
+                  </a:extLst>
+                </a:gridCol>
+                <a:gridCol w="772357">
+                  <a:extLst>
+                    <a:ext uri="{9D8B030D-6E8A-4147-A177-3AD203B41FA5}">
+                      <a16:colId xmlns:a16="http://schemas.microsoft.com/office/drawing/2014/main" val="55142413"/>
+                    </a:ext>
+                  </a:extLst>
+                </a:gridCol>
+              </a:tblGrid>
+              <a:tr h="370840">
+                <a:tc>
+                  <a:txBody>
+                    <a:bodyPr/>
+                    <a:lstStyle/>
+                    <a:p>
+                      <a:r>
+                        <a:rPr lang="en-US" sz="1800" b="0" kern="1200" dirty="0">
+                          <a:solidFill>
+                            <a:schemeClr val="dk1"/>
+                          </a:solidFill>
+                          <a:latin typeface="+mn-lt"/>
+                          <a:ea typeface="+mn-ea"/>
+                          <a:cs typeface="+mn-cs"/>
+                        </a:rPr>
+                        <a:t>8</a:t>
+                      </a:r>
+                    </a:p>
+                  </a:txBody>
+                  <a:tcPr>
+                    <a:solidFill>
+                      <a:srgbClr val="FF0000"/>
+                    </a:solidFill>
+                  </a:tcPr>
+                </a:tc>
+                <a:tc>
+                  <a:txBody>
+                    <a:bodyPr/>
+                    <a:lstStyle/>
+                    <a:p>
+                      <a:r>
+                        <a:rPr lang="en-US" sz="1800" b="0" kern="1200" dirty="0">
+                          <a:solidFill>
+                            <a:schemeClr val="dk1"/>
+                          </a:solidFill>
+                          <a:latin typeface="+mn-lt"/>
+                          <a:ea typeface="+mn-ea"/>
+                          <a:cs typeface="+mn-cs"/>
+                        </a:rPr>
+                        <a:t>10</a:t>
+                      </a:r>
+                    </a:p>
+                  </a:txBody>
+                  <a:tcPr>
+                    <a:solidFill>
+                      <a:srgbClr val="FF0000"/>
+                    </a:solidFill>
+                  </a:tcPr>
+                </a:tc>
+                <a:tc>
+                  <a:txBody>
+                    <a:bodyPr/>
+                    <a:lstStyle/>
+                    <a:p>
+                      <a:r>
+                        <a:rPr lang="en-US" sz="1800" b="0" kern="1200" dirty="0">
+                          <a:solidFill>
+                            <a:schemeClr val="dk1"/>
+                          </a:solidFill>
+                          <a:latin typeface="+mn-lt"/>
+                          <a:ea typeface="+mn-ea"/>
+                          <a:cs typeface="+mn-cs"/>
+                        </a:rPr>
+                        <a:t>2</a:t>
+                      </a:r>
+                    </a:p>
+                  </a:txBody>
+                  <a:tcPr>
+                    <a:solidFill>
+                      <a:srgbClr val="FFC000"/>
+                    </a:solidFill>
+                  </a:tcPr>
+                </a:tc>
+                <a:tc>
+                  <a:txBody>
+                    <a:bodyPr/>
+                    <a:lstStyle/>
+                    <a:p>
+                      <a:r>
+                        <a:rPr lang="en-US" sz="1800" b="0" kern="1200" dirty="0">
+                          <a:solidFill>
+                            <a:schemeClr val="dk1"/>
+                          </a:solidFill>
+                          <a:latin typeface="+mn-lt"/>
+                          <a:ea typeface="+mn-ea"/>
+                          <a:cs typeface="+mn-cs"/>
+                        </a:rPr>
+                        <a:t>4</a:t>
+                      </a:r>
+                    </a:p>
+                  </a:txBody>
+                  <a:tcPr>
+                    <a:solidFill>
+                      <a:srgbClr val="FFC000"/>
+                    </a:solidFill>
+                  </a:tcPr>
+                </a:tc>
+                <a:extLst>
+                  <a:ext uri="{0D108BD9-81ED-4DB2-BD59-A6C34878D82A}">
+                    <a16:rowId xmlns:a16="http://schemas.microsoft.com/office/drawing/2014/main" val="838740225"/>
+                  </a:ext>
+                </a:extLst>
+              </a:tr>
+              <a:tr h="370840">
+                <a:tc>
+                  <a:txBody>
+                    <a:bodyPr/>
+                    <a:lstStyle/>
+                    <a:p>
+                      <a:r>
+                        <a:rPr lang="en-US" dirty="0"/>
+                        <a:t>1</a:t>
+                      </a:r>
+                    </a:p>
+                  </a:txBody>
+                  <a:tcPr>
+                    <a:solidFill>
+                      <a:srgbClr val="FF0000"/>
+                    </a:solidFill>
+                  </a:tcPr>
+                </a:tc>
+                <a:tc>
+                  <a:txBody>
+                    <a:bodyPr/>
+                    <a:lstStyle/>
+                    <a:p>
+                      <a:r>
+                        <a:rPr lang="en-US" dirty="0"/>
+                        <a:t>5</a:t>
+                      </a:r>
+                    </a:p>
+                  </a:txBody>
+                  <a:tcPr>
+                    <a:solidFill>
+                      <a:srgbClr val="FF0000"/>
+                    </a:solidFill>
+                  </a:tcPr>
+                </a:tc>
+                <a:tc>
+                  <a:txBody>
+                    <a:bodyPr/>
+                    <a:lstStyle/>
+                    <a:p>
+                      <a:r>
+                        <a:rPr lang="en-US" dirty="0"/>
+                        <a:t>6</a:t>
+                      </a:r>
+                    </a:p>
+                  </a:txBody>
+                  <a:tcPr>
+                    <a:solidFill>
+                      <a:srgbClr val="FFC000"/>
+                    </a:solidFill>
+                  </a:tcPr>
+                </a:tc>
+                <a:tc>
+                  <a:txBody>
+                    <a:bodyPr/>
+                    <a:lstStyle/>
+                    <a:p>
+                      <a:r>
+                        <a:rPr lang="en-US" dirty="0"/>
+                        <a:t>15</a:t>
+                      </a:r>
+                    </a:p>
+                  </a:txBody>
+                  <a:tcPr>
+                    <a:solidFill>
+                      <a:srgbClr val="FFC000"/>
+                    </a:solidFill>
+                  </a:tcPr>
+                </a:tc>
+                <a:extLst>
+                  <a:ext uri="{0D108BD9-81ED-4DB2-BD59-A6C34878D82A}">
+                    <a16:rowId xmlns:a16="http://schemas.microsoft.com/office/drawing/2014/main" val="346179064"/>
+                  </a:ext>
+                </a:extLst>
+              </a:tr>
+              <a:tr h="370840">
+                <a:tc>
+                  <a:txBody>
+                    <a:bodyPr/>
+                    <a:lstStyle/>
+                    <a:p>
+                      <a:r>
+                        <a:rPr lang="en-US" dirty="0"/>
+                        <a:t>6</a:t>
+                      </a:r>
+                    </a:p>
+                  </a:txBody>
+                  <a:tcPr>
+                    <a:solidFill>
+                      <a:srgbClr val="92D050"/>
+                    </a:solidFill>
+                  </a:tcPr>
+                </a:tc>
+                <a:tc>
+                  <a:txBody>
+                    <a:bodyPr/>
+                    <a:lstStyle/>
+                    <a:p>
+                      <a:r>
+                        <a:rPr lang="en-US" dirty="0"/>
+                        <a:t>2</a:t>
+                      </a:r>
+                    </a:p>
+                  </a:txBody>
+                  <a:tcPr>
+                    <a:solidFill>
+                      <a:srgbClr val="92D050"/>
+                    </a:solidFill>
+                  </a:tcPr>
+                </a:tc>
+                <a:tc>
+                  <a:txBody>
+                    <a:bodyPr/>
+                    <a:lstStyle/>
+                    <a:p>
+                      <a:r>
+                        <a:rPr lang="en-US" dirty="0"/>
+                        <a:t>11</a:t>
+                      </a:r>
+                    </a:p>
+                  </a:txBody>
+                  <a:tcPr>
+                    <a:solidFill>
+                      <a:srgbClr val="00B0F0"/>
+                    </a:solidFill>
+                  </a:tcPr>
+                </a:tc>
+                <a:tc>
+                  <a:txBody>
+                    <a:bodyPr/>
+                    <a:lstStyle/>
+                    <a:p>
+                      <a:r>
+                        <a:rPr lang="en-US" dirty="0"/>
+                        <a:t>13</a:t>
+                      </a:r>
+                    </a:p>
+                  </a:txBody>
+                  <a:tcPr>
+                    <a:solidFill>
+                      <a:srgbClr val="00B0F0"/>
+                    </a:solidFill>
+                  </a:tcPr>
+                </a:tc>
+                <a:extLst>
+                  <a:ext uri="{0D108BD9-81ED-4DB2-BD59-A6C34878D82A}">
+                    <a16:rowId xmlns:a16="http://schemas.microsoft.com/office/drawing/2014/main" val="2841231369"/>
+                  </a:ext>
+                </a:extLst>
+              </a:tr>
+              <a:tr h="370840">
+                <a:tc>
+                  <a:txBody>
+                    <a:bodyPr/>
+                    <a:lstStyle/>
+                    <a:p>
+                      <a:r>
+                        <a:rPr lang="en-US" dirty="0"/>
+                        <a:t>1</a:t>
+                      </a:r>
+                    </a:p>
+                  </a:txBody>
+                  <a:tcPr>
+                    <a:solidFill>
+                      <a:srgbClr val="92D050"/>
+                    </a:solidFill>
+                  </a:tcPr>
+                </a:tc>
+                <a:tc>
+                  <a:txBody>
+                    <a:bodyPr/>
+                    <a:lstStyle/>
+                    <a:p>
+                      <a:r>
+                        <a:rPr lang="en-US" dirty="0"/>
+                        <a:t>4</a:t>
+                      </a:r>
+                    </a:p>
+                  </a:txBody>
+                  <a:tcPr>
+                    <a:solidFill>
+                      <a:srgbClr val="92D050"/>
+                    </a:solidFill>
+                  </a:tcPr>
+                </a:tc>
+                <a:tc>
+                  <a:txBody>
+                    <a:bodyPr/>
+                    <a:lstStyle/>
+                    <a:p>
+                      <a:r>
+                        <a:rPr lang="en-US" dirty="0"/>
+                        <a:t>12</a:t>
+                      </a:r>
+                    </a:p>
+                  </a:txBody>
+                  <a:tcPr>
+                    <a:solidFill>
+                      <a:srgbClr val="00B0F0"/>
+                    </a:solidFill>
+                  </a:tcPr>
+                </a:tc>
+                <a:tc>
+                  <a:txBody>
+                    <a:bodyPr/>
+                    <a:lstStyle/>
+                    <a:p>
+                      <a:r>
+                        <a:rPr lang="en-US" dirty="0"/>
+                        <a:t>1</a:t>
+                      </a:r>
+                    </a:p>
+                  </a:txBody>
+                  <a:tcPr>
+                    <a:solidFill>
+                      <a:srgbClr val="00B0F0"/>
+                    </a:solidFill>
+                  </a:tcPr>
+                </a:tc>
+                <a:extLst>
+                  <a:ext uri="{0D108BD9-81ED-4DB2-BD59-A6C34878D82A}">
+                    <a16:rowId xmlns:a16="http://schemas.microsoft.com/office/drawing/2014/main" val="1609210207"/>
+                  </a:ext>
+                </a:extLst>
+              </a:tr>
+            </a:tbl>
+          </a:graphicData>
+        </a:graphic>
+      </p:graphicFrame>
+      <p:graphicFrame>
+        <p:nvGraphicFramePr>
+          <p:cNvPr id="5" name="Table 4">
+            <a:extLst>
+              <a:ext uri="{FF2B5EF4-FFF2-40B4-BE49-F238E27FC236}">
+                <a16:creationId xmlns:a16="http://schemas.microsoft.com/office/drawing/2014/main" id="{D0CEE553-F43E-4F5B-808C-9D6D530D2EF6}"/>
+              </a:ext>
+            </a:extLst>
+          </p:cNvPr>
+          <p:cNvGraphicFramePr>
+            <a:graphicFrameLocks noGrp="1"/>
+          </p:cNvGraphicFramePr>
+          <p:nvPr>
+            <p:extLst>
+              <p:ext uri="{D42A27DB-BD31-4B8C-83A1-F6EECF244321}">
+                <p14:modId xmlns:p14="http://schemas.microsoft.com/office/powerpoint/2010/main" val="3384262982"/>
+              </p:ext>
+            </p:extLst>
+          </p:nvPr>
+        </p:nvGraphicFramePr>
+        <p:xfrm>
+          <a:off x="8975327" y="1933882"/>
+          <a:ext cx="1571348" cy="741680"/>
+        </p:xfrm>
+        <a:graphic>
+          <a:graphicData uri="http://schemas.openxmlformats.org/drawingml/2006/table">
+            <a:tbl>
+              <a:tblPr firstRow="1" bandRow="1">
+                <a:tableStyleId>{616DA210-FB5B-4158-B5E0-FEB733F419BA}</a:tableStyleId>
+              </a:tblPr>
+              <a:tblGrid>
+                <a:gridCol w="785674">
+                  <a:extLst>
+                    <a:ext uri="{9D8B030D-6E8A-4147-A177-3AD203B41FA5}">
+                      <a16:colId xmlns:a16="http://schemas.microsoft.com/office/drawing/2014/main" val="44115438"/>
+                    </a:ext>
+                  </a:extLst>
+                </a:gridCol>
+                <a:gridCol w="785674">
+                  <a:extLst>
+                    <a:ext uri="{9D8B030D-6E8A-4147-A177-3AD203B41FA5}">
+                      <a16:colId xmlns:a16="http://schemas.microsoft.com/office/drawing/2014/main" val="422517794"/>
+                    </a:ext>
+                  </a:extLst>
+                </a:gridCol>
+              </a:tblGrid>
+              <a:tr h="370840">
+                <a:tc>
+                  <a:txBody>
+                    <a:bodyPr/>
+                    <a:lstStyle/>
+                    <a:p>
+                      <a:r>
+                        <a:rPr lang="en-US" b="0" dirty="0"/>
+                        <a:t>10</a:t>
+                      </a:r>
+                    </a:p>
+                  </a:txBody>
+                  <a:tcPr>
+                    <a:solidFill>
+                      <a:srgbClr val="FF0000"/>
+                    </a:solidFill>
+                  </a:tcPr>
+                </a:tc>
+                <a:tc>
+                  <a:txBody>
+                    <a:bodyPr/>
+                    <a:lstStyle/>
+                    <a:p>
+                      <a:r>
+                        <a:rPr lang="en-US" b="0" dirty="0"/>
+                        <a:t>15</a:t>
+                      </a:r>
+                    </a:p>
+                  </a:txBody>
+                  <a:tcPr>
+                    <a:solidFill>
+                      <a:srgbClr val="FFC000"/>
+                    </a:solidFill>
+                  </a:tcPr>
+                </a:tc>
+                <a:extLst>
+                  <a:ext uri="{0D108BD9-81ED-4DB2-BD59-A6C34878D82A}">
+                    <a16:rowId xmlns:a16="http://schemas.microsoft.com/office/drawing/2014/main" val="1913118695"/>
+                  </a:ext>
+                </a:extLst>
+              </a:tr>
+              <a:tr h="370840">
+                <a:tc>
+                  <a:txBody>
+                    <a:bodyPr/>
+                    <a:lstStyle/>
+                    <a:p>
+                      <a:r>
+                        <a:rPr lang="en-US" dirty="0"/>
+                        <a:t>6</a:t>
+                      </a:r>
+                    </a:p>
+                  </a:txBody>
+                  <a:tcPr>
+                    <a:solidFill>
+                      <a:srgbClr val="92D050"/>
+                    </a:solidFill>
+                  </a:tcPr>
+                </a:tc>
+                <a:tc>
+                  <a:txBody>
+                    <a:bodyPr/>
+                    <a:lstStyle/>
+                    <a:p>
+                      <a:r>
+                        <a:rPr lang="en-US" dirty="0"/>
+                        <a:t>13</a:t>
+                      </a:r>
+                    </a:p>
+                  </a:txBody>
+                  <a:tcPr>
+                    <a:solidFill>
+                      <a:srgbClr val="00B0F0"/>
+                    </a:solidFill>
+                  </a:tcPr>
+                </a:tc>
+                <a:extLst>
+                  <a:ext uri="{0D108BD9-81ED-4DB2-BD59-A6C34878D82A}">
+                    <a16:rowId xmlns:a16="http://schemas.microsoft.com/office/drawing/2014/main" val="502335210"/>
+                  </a:ext>
+                </a:extLst>
+              </a:tr>
+            </a:tbl>
+          </a:graphicData>
+        </a:graphic>
+      </p:graphicFrame>
+      <p:cxnSp>
+        <p:nvCxnSpPr>
+          <p:cNvPr id="7" name="Straight Arrow Connector 6">
+            <a:extLst>
+              <a:ext uri="{FF2B5EF4-FFF2-40B4-BE49-F238E27FC236}">
+                <a16:creationId xmlns:a16="http://schemas.microsoft.com/office/drawing/2014/main" id="{7D6103FE-CB5B-4BCB-9862-7948E7810383}"/>
+              </a:ext>
+            </a:extLst>
+          </p:cNvPr>
+          <p:cNvCxnSpPr/>
+          <p:nvPr/>
+        </p:nvCxnSpPr>
+        <p:spPr>
+          <a:xfrm>
+            <a:off x="4962620" y="1766654"/>
+            <a:ext cx="4145872" cy="355107"/>
+          </a:xfrm>
+          <a:prstGeom prst="straightConnector1">
+            <a:avLst/>
+          </a:prstGeom>
+          <a:ln w="38100">
+            <a:prstDash val="dash"/>
+            <a:tailEnd type="triangle"/>
+          </a:ln>
+        </p:spPr>
+        <p:style>
+          <a:lnRef idx="1">
+            <a:schemeClr val="accent1"/>
+          </a:lnRef>
+          <a:fillRef idx="0">
+            <a:schemeClr val="accent1"/>
+          </a:fillRef>
+          <a:effectRef idx="0">
+            <a:schemeClr val="accent1"/>
+          </a:effectRef>
+          <a:fontRef idx="minor">
+            <a:schemeClr val="tx1"/>
+          </a:fontRef>
+        </p:style>
+      </p:cxnSp>
+      <p:sp>
+        <p:nvSpPr>
+          <p:cNvPr id="8" name="TextBox 7">
+            <a:extLst>
+              <a:ext uri="{FF2B5EF4-FFF2-40B4-BE49-F238E27FC236}">
+                <a16:creationId xmlns:a16="http://schemas.microsoft.com/office/drawing/2014/main" id="{01E5D90B-4354-48A8-87C7-7D72B8E1E050}"/>
+              </a:ext>
+            </a:extLst>
+          </p:cNvPr>
+          <p:cNvSpPr txBox="1"/>
+          <p:nvPr/>
+        </p:nvSpPr>
+        <p:spPr>
+          <a:xfrm>
+            <a:off x="749423" y="6096709"/>
+            <a:ext cx="7194214" cy="369332"/>
+          </a:xfrm>
+          <a:prstGeom prst="rect">
+            <a:avLst/>
+          </a:prstGeom>
+          <a:noFill/>
+        </p:spPr>
+        <p:txBody>
+          <a:bodyPr wrap="none" rtlCol="0">
+            <a:spAutoFit/>
+          </a:bodyPr>
+          <a:lstStyle/>
+          <a:p>
+            <a:r>
+              <a:rPr lang="en-US" dirty="0"/>
+              <a:t>List of different pooling operations in </a:t>
+            </a:r>
+            <a:r>
+              <a:rPr lang="en-US" dirty="0" err="1"/>
+              <a:t>Keras</a:t>
+            </a:r>
+            <a:r>
+              <a:rPr lang="en-US" dirty="0"/>
+              <a:t>: https://keras.io/layers/pooling</a:t>
+            </a:r>
+          </a:p>
+        </p:txBody>
+      </p:sp>
+      <p:sp>
+        <p:nvSpPr>
+          <p:cNvPr id="9" name="TextBox 8">
+            <a:extLst>
+              <a:ext uri="{FF2B5EF4-FFF2-40B4-BE49-F238E27FC236}">
+                <a16:creationId xmlns:a16="http://schemas.microsoft.com/office/drawing/2014/main" id="{3BF97DB2-F424-4EEB-BA1B-375BA960FF22}"/>
+              </a:ext>
+            </a:extLst>
+          </p:cNvPr>
+          <p:cNvSpPr txBox="1"/>
+          <p:nvPr/>
+        </p:nvSpPr>
+        <p:spPr>
+          <a:xfrm>
+            <a:off x="1154097" y="2304722"/>
+            <a:ext cx="1344727" cy="369332"/>
+          </a:xfrm>
+          <a:prstGeom prst="rect">
+            <a:avLst/>
+          </a:prstGeom>
+          <a:noFill/>
+        </p:spPr>
+        <p:txBody>
+          <a:bodyPr wrap="none" rtlCol="0">
+            <a:spAutoFit/>
+          </a:bodyPr>
+          <a:lstStyle/>
+          <a:p>
+            <a:r>
+              <a:rPr lang="en-US" dirty="0"/>
+              <a:t>Max pooling</a:t>
+            </a:r>
+          </a:p>
+        </p:txBody>
+      </p:sp>
+      <p:graphicFrame>
+        <p:nvGraphicFramePr>
+          <p:cNvPr id="10" name="Table 9">
+            <a:extLst>
+              <a:ext uri="{FF2B5EF4-FFF2-40B4-BE49-F238E27FC236}">
+                <a16:creationId xmlns:a16="http://schemas.microsoft.com/office/drawing/2014/main" id="{CB5452F2-A911-43D7-B926-C5EF629BDE5B}"/>
+              </a:ext>
+            </a:extLst>
+          </p:cNvPr>
+          <p:cNvGraphicFramePr>
+            <a:graphicFrameLocks noGrp="1"/>
+          </p:cNvGraphicFramePr>
+          <p:nvPr>
+            <p:extLst>
+              <p:ext uri="{D42A27DB-BD31-4B8C-83A1-F6EECF244321}">
+                <p14:modId xmlns:p14="http://schemas.microsoft.com/office/powerpoint/2010/main" val="3485226015"/>
+              </p:ext>
+            </p:extLst>
+          </p:nvPr>
+        </p:nvGraphicFramePr>
+        <p:xfrm>
+          <a:off x="3587069" y="3757311"/>
+          <a:ext cx="3223580" cy="1483360"/>
+        </p:xfrm>
+        <a:graphic>
+          <a:graphicData uri="http://schemas.openxmlformats.org/drawingml/2006/table">
+            <a:tbl>
+              <a:tblPr firstRow="1" bandRow="1">
+                <a:tableStyleId>{D7AC3CCA-C797-4891-BE02-D94E43425B78}</a:tableStyleId>
+              </a:tblPr>
+              <a:tblGrid>
+                <a:gridCol w="844365">
+                  <a:extLst>
+                    <a:ext uri="{9D8B030D-6E8A-4147-A177-3AD203B41FA5}">
+                      <a16:colId xmlns:a16="http://schemas.microsoft.com/office/drawing/2014/main" val="3286895470"/>
+                    </a:ext>
+                  </a:extLst>
+                </a:gridCol>
+                <a:gridCol w="816745">
+                  <a:extLst>
+                    <a:ext uri="{9D8B030D-6E8A-4147-A177-3AD203B41FA5}">
+                      <a16:colId xmlns:a16="http://schemas.microsoft.com/office/drawing/2014/main" val="2842845376"/>
+                    </a:ext>
+                  </a:extLst>
+                </a:gridCol>
+                <a:gridCol w="790113">
+                  <a:extLst>
+                    <a:ext uri="{9D8B030D-6E8A-4147-A177-3AD203B41FA5}">
+                      <a16:colId xmlns:a16="http://schemas.microsoft.com/office/drawing/2014/main" val="2341829458"/>
+                    </a:ext>
+                  </a:extLst>
+                </a:gridCol>
+                <a:gridCol w="772357">
+                  <a:extLst>
+                    <a:ext uri="{9D8B030D-6E8A-4147-A177-3AD203B41FA5}">
+                      <a16:colId xmlns:a16="http://schemas.microsoft.com/office/drawing/2014/main" val="55142413"/>
+                    </a:ext>
+                  </a:extLst>
+                </a:gridCol>
+              </a:tblGrid>
+              <a:tr h="370840">
+                <a:tc>
+                  <a:txBody>
+                    <a:bodyPr/>
+                    <a:lstStyle/>
+                    <a:p>
+                      <a:r>
+                        <a:rPr lang="en-US" sz="1800" b="0" kern="1200" dirty="0">
+                          <a:solidFill>
+                            <a:schemeClr val="dk1"/>
+                          </a:solidFill>
+                          <a:latin typeface="+mn-lt"/>
+                          <a:ea typeface="+mn-ea"/>
+                          <a:cs typeface="+mn-cs"/>
+                        </a:rPr>
+                        <a:t>8</a:t>
+                      </a:r>
+                    </a:p>
+                  </a:txBody>
+                  <a:tcPr>
+                    <a:solidFill>
+                      <a:srgbClr val="FF0000"/>
+                    </a:solidFill>
+                  </a:tcPr>
+                </a:tc>
+                <a:tc>
+                  <a:txBody>
+                    <a:bodyPr/>
+                    <a:lstStyle/>
+                    <a:p>
+                      <a:r>
+                        <a:rPr lang="en-US" sz="1800" b="0" kern="1200" dirty="0">
+                          <a:solidFill>
+                            <a:schemeClr val="dk1"/>
+                          </a:solidFill>
+                          <a:latin typeface="+mn-lt"/>
+                          <a:ea typeface="+mn-ea"/>
+                          <a:cs typeface="+mn-cs"/>
+                        </a:rPr>
+                        <a:t>10</a:t>
+                      </a:r>
+                    </a:p>
+                  </a:txBody>
+                  <a:tcPr>
+                    <a:solidFill>
+                      <a:srgbClr val="FF0000"/>
+                    </a:solidFill>
+                  </a:tcPr>
+                </a:tc>
+                <a:tc>
+                  <a:txBody>
+                    <a:bodyPr/>
+                    <a:lstStyle/>
+                    <a:p>
+                      <a:r>
+                        <a:rPr lang="en-US" sz="1800" b="0" kern="1200" dirty="0">
+                          <a:solidFill>
+                            <a:schemeClr val="dk1"/>
+                          </a:solidFill>
+                          <a:latin typeface="+mn-lt"/>
+                          <a:ea typeface="+mn-ea"/>
+                          <a:cs typeface="+mn-cs"/>
+                        </a:rPr>
+                        <a:t>2</a:t>
+                      </a:r>
+                    </a:p>
+                  </a:txBody>
+                  <a:tcPr>
+                    <a:solidFill>
+                      <a:srgbClr val="FFC000"/>
+                    </a:solidFill>
+                  </a:tcPr>
+                </a:tc>
+                <a:tc>
+                  <a:txBody>
+                    <a:bodyPr/>
+                    <a:lstStyle/>
+                    <a:p>
+                      <a:r>
+                        <a:rPr lang="en-US" sz="1800" b="0" kern="1200" dirty="0">
+                          <a:solidFill>
+                            <a:schemeClr val="dk1"/>
+                          </a:solidFill>
+                          <a:latin typeface="+mn-lt"/>
+                          <a:ea typeface="+mn-ea"/>
+                          <a:cs typeface="+mn-cs"/>
+                        </a:rPr>
+                        <a:t>4</a:t>
+                      </a:r>
+                    </a:p>
+                  </a:txBody>
+                  <a:tcPr>
+                    <a:solidFill>
+                      <a:srgbClr val="FFC000"/>
+                    </a:solidFill>
+                  </a:tcPr>
+                </a:tc>
+                <a:extLst>
+                  <a:ext uri="{0D108BD9-81ED-4DB2-BD59-A6C34878D82A}">
+                    <a16:rowId xmlns:a16="http://schemas.microsoft.com/office/drawing/2014/main" val="838740225"/>
+                  </a:ext>
+                </a:extLst>
+              </a:tr>
+              <a:tr h="370840">
+                <a:tc>
+                  <a:txBody>
+                    <a:bodyPr/>
+                    <a:lstStyle/>
+                    <a:p>
+                      <a:r>
+                        <a:rPr lang="en-US" dirty="0"/>
+                        <a:t>1</a:t>
+                      </a:r>
+                    </a:p>
+                  </a:txBody>
+                  <a:tcPr>
+                    <a:solidFill>
+                      <a:srgbClr val="FF0000"/>
+                    </a:solidFill>
+                  </a:tcPr>
+                </a:tc>
+                <a:tc>
+                  <a:txBody>
+                    <a:bodyPr/>
+                    <a:lstStyle/>
+                    <a:p>
+                      <a:r>
+                        <a:rPr lang="en-US" dirty="0"/>
+                        <a:t>5</a:t>
+                      </a:r>
+                    </a:p>
+                  </a:txBody>
+                  <a:tcPr>
+                    <a:solidFill>
+                      <a:srgbClr val="FF0000"/>
+                    </a:solidFill>
+                  </a:tcPr>
+                </a:tc>
+                <a:tc>
+                  <a:txBody>
+                    <a:bodyPr/>
+                    <a:lstStyle/>
+                    <a:p>
+                      <a:r>
+                        <a:rPr lang="en-US" dirty="0"/>
+                        <a:t>6</a:t>
+                      </a:r>
+                    </a:p>
+                  </a:txBody>
+                  <a:tcPr>
+                    <a:solidFill>
+                      <a:srgbClr val="FFC000"/>
+                    </a:solidFill>
+                  </a:tcPr>
+                </a:tc>
+                <a:tc>
+                  <a:txBody>
+                    <a:bodyPr/>
+                    <a:lstStyle/>
+                    <a:p>
+                      <a:r>
+                        <a:rPr lang="en-US" dirty="0"/>
+                        <a:t>15</a:t>
+                      </a:r>
+                    </a:p>
+                  </a:txBody>
+                  <a:tcPr>
+                    <a:solidFill>
+                      <a:srgbClr val="FFC000"/>
+                    </a:solidFill>
+                  </a:tcPr>
+                </a:tc>
+                <a:extLst>
+                  <a:ext uri="{0D108BD9-81ED-4DB2-BD59-A6C34878D82A}">
+                    <a16:rowId xmlns:a16="http://schemas.microsoft.com/office/drawing/2014/main" val="346179064"/>
+                  </a:ext>
+                </a:extLst>
+              </a:tr>
+              <a:tr h="370840">
+                <a:tc>
+                  <a:txBody>
+                    <a:bodyPr/>
+                    <a:lstStyle/>
+                    <a:p>
+                      <a:r>
+                        <a:rPr lang="en-US" dirty="0"/>
+                        <a:t>6</a:t>
+                      </a:r>
+                    </a:p>
+                  </a:txBody>
+                  <a:tcPr>
+                    <a:solidFill>
+                      <a:srgbClr val="92D050"/>
+                    </a:solidFill>
+                  </a:tcPr>
+                </a:tc>
+                <a:tc>
+                  <a:txBody>
+                    <a:bodyPr/>
+                    <a:lstStyle/>
+                    <a:p>
+                      <a:r>
+                        <a:rPr lang="en-US" dirty="0"/>
+                        <a:t>2</a:t>
+                      </a:r>
+                    </a:p>
+                  </a:txBody>
+                  <a:tcPr>
+                    <a:solidFill>
+                      <a:srgbClr val="92D050"/>
+                    </a:solidFill>
+                  </a:tcPr>
+                </a:tc>
+                <a:tc>
+                  <a:txBody>
+                    <a:bodyPr/>
+                    <a:lstStyle/>
+                    <a:p>
+                      <a:r>
+                        <a:rPr lang="en-US" dirty="0"/>
+                        <a:t>11</a:t>
+                      </a:r>
+                    </a:p>
+                  </a:txBody>
+                  <a:tcPr>
+                    <a:solidFill>
+                      <a:srgbClr val="00B0F0"/>
+                    </a:solidFill>
+                  </a:tcPr>
+                </a:tc>
+                <a:tc>
+                  <a:txBody>
+                    <a:bodyPr/>
+                    <a:lstStyle/>
+                    <a:p>
+                      <a:r>
+                        <a:rPr lang="en-US" dirty="0"/>
+                        <a:t>13</a:t>
+                      </a:r>
+                    </a:p>
+                  </a:txBody>
+                  <a:tcPr>
+                    <a:solidFill>
+                      <a:srgbClr val="00B0F0"/>
+                    </a:solidFill>
+                  </a:tcPr>
+                </a:tc>
+                <a:extLst>
+                  <a:ext uri="{0D108BD9-81ED-4DB2-BD59-A6C34878D82A}">
+                    <a16:rowId xmlns:a16="http://schemas.microsoft.com/office/drawing/2014/main" val="2841231369"/>
+                  </a:ext>
+                </a:extLst>
+              </a:tr>
+              <a:tr h="370840">
+                <a:tc>
+                  <a:txBody>
+                    <a:bodyPr/>
+                    <a:lstStyle/>
+                    <a:p>
+                      <a:r>
+                        <a:rPr lang="en-US" dirty="0"/>
+                        <a:t>1</a:t>
+                      </a:r>
+                    </a:p>
+                  </a:txBody>
+                  <a:tcPr>
+                    <a:solidFill>
+                      <a:srgbClr val="92D050"/>
+                    </a:solidFill>
+                  </a:tcPr>
+                </a:tc>
+                <a:tc>
+                  <a:txBody>
+                    <a:bodyPr/>
+                    <a:lstStyle/>
+                    <a:p>
+                      <a:r>
+                        <a:rPr lang="en-US" dirty="0"/>
+                        <a:t>4</a:t>
+                      </a:r>
+                    </a:p>
+                  </a:txBody>
+                  <a:tcPr>
+                    <a:solidFill>
+                      <a:srgbClr val="92D050"/>
+                    </a:solidFill>
+                  </a:tcPr>
+                </a:tc>
+                <a:tc>
+                  <a:txBody>
+                    <a:bodyPr/>
+                    <a:lstStyle/>
+                    <a:p>
+                      <a:r>
+                        <a:rPr lang="en-US" dirty="0"/>
+                        <a:t>12</a:t>
+                      </a:r>
+                    </a:p>
+                  </a:txBody>
+                  <a:tcPr>
+                    <a:solidFill>
+                      <a:srgbClr val="00B0F0"/>
+                    </a:solidFill>
+                  </a:tcPr>
+                </a:tc>
+                <a:tc>
+                  <a:txBody>
+                    <a:bodyPr/>
+                    <a:lstStyle/>
+                    <a:p>
+                      <a:r>
+                        <a:rPr lang="en-US" dirty="0"/>
+                        <a:t>1</a:t>
+                      </a:r>
+                    </a:p>
+                  </a:txBody>
+                  <a:tcPr>
+                    <a:solidFill>
+                      <a:srgbClr val="00B0F0"/>
+                    </a:solidFill>
+                  </a:tcPr>
+                </a:tc>
+                <a:extLst>
+                  <a:ext uri="{0D108BD9-81ED-4DB2-BD59-A6C34878D82A}">
+                    <a16:rowId xmlns:a16="http://schemas.microsoft.com/office/drawing/2014/main" val="1609210207"/>
+                  </a:ext>
+                </a:extLst>
+              </a:tr>
+            </a:tbl>
+          </a:graphicData>
+        </a:graphic>
+      </p:graphicFrame>
+      <p:graphicFrame>
+        <p:nvGraphicFramePr>
+          <p:cNvPr id="11" name="Table 10">
+            <a:extLst>
+              <a:ext uri="{FF2B5EF4-FFF2-40B4-BE49-F238E27FC236}">
+                <a16:creationId xmlns:a16="http://schemas.microsoft.com/office/drawing/2014/main" id="{412F5132-F960-4224-99FB-B7CF94EA4B5C}"/>
+              </a:ext>
+            </a:extLst>
+          </p:cNvPr>
+          <p:cNvGraphicFramePr>
+            <a:graphicFrameLocks noGrp="1"/>
+          </p:cNvGraphicFramePr>
+          <p:nvPr>
+            <p:extLst>
+              <p:ext uri="{D42A27DB-BD31-4B8C-83A1-F6EECF244321}">
+                <p14:modId xmlns:p14="http://schemas.microsoft.com/office/powerpoint/2010/main" val="73201315"/>
+              </p:ext>
+            </p:extLst>
+          </p:nvPr>
+        </p:nvGraphicFramePr>
+        <p:xfrm>
+          <a:off x="8967923" y="4128151"/>
+          <a:ext cx="1571348" cy="741680"/>
+        </p:xfrm>
+        <a:graphic>
+          <a:graphicData uri="http://schemas.openxmlformats.org/drawingml/2006/table">
+            <a:tbl>
+              <a:tblPr firstRow="1" bandRow="1">
+                <a:tableStyleId>{616DA210-FB5B-4158-B5E0-FEB733F419BA}</a:tableStyleId>
+              </a:tblPr>
+              <a:tblGrid>
+                <a:gridCol w="785674">
+                  <a:extLst>
+                    <a:ext uri="{9D8B030D-6E8A-4147-A177-3AD203B41FA5}">
+                      <a16:colId xmlns:a16="http://schemas.microsoft.com/office/drawing/2014/main" val="44115438"/>
+                    </a:ext>
+                  </a:extLst>
+                </a:gridCol>
+                <a:gridCol w="785674">
+                  <a:extLst>
+                    <a:ext uri="{9D8B030D-6E8A-4147-A177-3AD203B41FA5}">
+                      <a16:colId xmlns:a16="http://schemas.microsoft.com/office/drawing/2014/main" val="422517794"/>
+                    </a:ext>
+                  </a:extLst>
+                </a:gridCol>
+              </a:tblGrid>
+              <a:tr h="370840">
+                <a:tc>
+                  <a:txBody>
+                    <a:bodyPr/>
+                    <a:lstStyle/>
+                    <a:p>
+                      <a:r>
+                        <a:rPr lang="en-US" b="0" dirty="0"/>
+                        <a:t>6</a:t>
+                      </a:r>
+                    </a:p>
+                  </a:txBody>
+                  <a:tcPr>
+                    <a:solidFill>
+                      <a:srgbClr val="FF0000"/>
+                    </a:solidFill>
+                  </a:tcPr>
+                </a:tc>
+                <a:tc>
+                  <a:txBody>
+                    <a:bodyPr/>
+                    <a:lstStyle/>
+                    <a:p>
+                      <a:r>
+                        <a:rPr lang="en-US" b="0" dirty="0"/>
+                        <a:t>6.75</a:t>
+                      </a:r>
+                    </a:p>
+                  </a:txBody>
+                  <a:tcPr>
+                    <a:solidFill>
+                      <a:srgbClr val="FFC000"/>
+                    </a:solidFill>
+                  </a:tcPr>
+                </a:tc>
+                <a:extLst>
+                  <a:ext uri="{0D108BD9-81ED-4DB2-BD59-A6C34878D82A}">
+                    <a16:rowId xmlns:a16="http://schemas.microsoft.com/office/drawing/2014/main" val="1913118695"/>
+                  </a:ext>
+                </a:extLst>
+              </a:tr>
+              <a:tr h="370840">
+                <a:tc>
+                  <a:txBody>
+                    <a:bodyPr/>
+                    <a:lstStyle/>
+                    <a:p>
+                      <a:r>
+                        <a:rPr lang="en-US" dirty="0"/>
+                        <a:t>3.25</a:t>
+                      </a:r>
+                    </a:p>
+                  </a:txBody>
+                  <a:tcPr>
+                    <a:solidFill>
+                      <a:srgbClr val="92D050"/>
+                    </a:solidFill>
+                  </a:tcPr>
+                </a:tc>
+                <a:tc>
+                  <a:txBody>
+                    <a:bodyPr/>
+                    <a:lstStyle/>
+                    <a:p>
+                      <a:r>
+                        <a:rPr lang="en-US" dirty="0"/>
+                        <a:t>9.25</a:t>
+                      </a:r>
+                    </a:p>
+                  </a:txBody>
+                  <a:tcPr>
+                    <a:solidFill>
+                      <a:srgbClr val="00B0F0"/>
+                    </a:solidFill>
+                  </a:tcPr>
+                </a:tc>
+                <a:extLst>
+                  <a:ext uri="{0D108BD9-81ED-4DB2-BD59-A6C34878D82A}">
+                    <a16:rowId xmlns:a16="http://schemas.microsoft.com/office/drawing/2014/main" val="502335210"/>
+                  </a:ext>
+                </a:extLst>
+              </a:tr>
+            </a:tbl>
+          </a:graphicData>
+        </a:graphic>
+      </p:graphicFrame>
+      <p:cxnSp>
+        <p:nvCxnSpPr>
+          <p:cNvPr id="12" name="Straight Arrow Connector 11">
+            <a:extLst>
+              <a:ext uri="{FF2B5EF4-FFF2-40B4-BE49-F238E27FC236}">
+                <a16:creationId xmlns:a16="http://schemas.microsoft.com/office/drawing/2014/main" id="{BA3025A4-ACCD-48F6-886F-DDA6B05D1153}"/>
+              </a:ext>
+            </a:extLst>
+          </p:cNvPr>
+          <p:cNvCxnSpPr/>
+          <p:nvPr/>
+        </p:nvCxnSpPr>
+        <p:spPr>
+          <a:xfrm>
+            <a:off x="4955216" y="3960923"/>
+            <a:ext cx="4145872" cy="355107"/>
+          </a:xfrm>
+          <a:prstGeom prst="straightConnector1">
+            <a:avLst/>
+          </a:prstGeom>
+          <a:ln w="38100">
+            <a:prstDash val="dash"/>
+            <a:tailEnd type="triangle"/>
+          </a:ln>
+        </p:spPr>
+        <p:style>
+          <a:lnRef idx="1">
+            <a:schemeClr val="accent1"/>
+          </a:lnRef>
+          <a:fillRef idx="0">
+            <a:schemeClr val="accent1"/>
+          </a:fillRef>
+          <a:effectRef idx="0">
+            <a:schemeClr val="accent1"/>
+          </a:effectRef>
+          <a:fontRef idx="minor">
+            <a:schemeClr val="tx1"/>
+          </a:fontRef>
+        </p:style>
+      </p:cxnSp>
+      <p:sp>
+        <p:nvSpPr>
+          <p:cNvPr id="13" name="TextBox 12">
+            <a:extLst>
+              <a:ext uri="{FF2B5EF4-FFF2-40B4-BE49-F238E27FC236}">
+                <a16:creationId xmlns:a16="http://schemas.microsoft.com/office/drawing/2014/main" id="{ED18FFA0-B24A-4F49-A829-5F215E6DBD63}"/>
+              </a:ext>
+            </a:extLst>
+          </p:cNvPr>
+          <p:cNvSpPr txBox="1"/>
+          <p:nvPr/>
+        </p:nvSpPr>
+        <p:spPr>
+          <a:xfrm>
+            <a:off x="1120065" y="4206025"/>
+            <a:ext cx="1694310" cy="369332"/>
+          </a:xfrm>
+          <a:prstGeom prst="rect">
+            <a:avLst/>
+          </a:prstGeom>
+          <a:noFill/>
+        </p:spPr>
+        <p:txBody>
+          <a:bodyPr wrap="none" rtlCol="0">
+            <a:spAutoFit/>
+          </a:bodyPr>
+          <a:lstStyle/>
+          <a:p>
+            <a:r>
+              <a:rPr lang="en-US" dirty="0"/>
+              <a:t>Average pooling</a:t>
+            </a:r>
+          </a:p>
+        </p:txBody>
+      </p:sp>
+    </p:spTree>
+    <p:extLst>
+      <p:ext uri="{BB962C8B-B14F-4D97-AF65-F5344CB8AC3E}">
+        <p14:creationId xmlns:p14="http://schemas.microsoft.com/office/powerpoint/2010/main" val="2250728755"/>
+      </p:ext>
+    </p:extLst>
+  </p:cSld>
+  <p:clrMapOvr>
+    <a:masterClrMapping/>
+  </p:clrMapOvr>
+</p:sld>
+</file>
+
+<file path=ppt/slides/slide7.xml><?xml version="1.0" encoding="utf-8"?>
+<p:sld xmlns:a="http://schemas.openxmlformats.org/drawingml/2006/main" xmlns:r="http://schemas.openxmlformats.org/officeDocument/2006/relationships" xmlns:p="http://schemas.openxmlformats.org/presentationml/2006/main">
+  <p:cSld>
+    <p:spTree>
+      <p:nvGrpSpPr>
+        <p:cNvPr id="1" name=""/>
+        <p:cNvGrpSpPr/>
+        <p:nvPr/>
+      </p:nvGrpSpPr>
+      <p:grpSpPr>
+        <a:xfrm>
+          <a:off x="0" y="0"/>
+          <a:ext cx="0" cy="0"/>
+          <a:chOff x="0" y="0"/>
+          <a:chExt cx="0" cy="0"/>
+        </a:xfrm>
+      </p:grpSpPr>
+      <p:sp>
+        <p:nvSpPr>
+          <p:cNvPr id="2" name="Title 1">
+            <a:extLst>
+              <a:ext uri="{FF2B5EF4-FFF2-40B4-BE49-F238E27FC236}">
+                <a16:creationId xmlns:a16="http://schemas.microsoft.com/office/drawing/2014/main" id="{D6063B40-4529-445A-8BF3-9897C5F8F990}"/>
+              </a:ext>
+            </a:extLst>
+          </p:cNvPr>
+          <p:cNvSpPr>
+            <a:spLocks noGrp="1"/>
+          </p:cNvSpPr>
+          <p:nvPr>
+            <p:ph type="title"/>
+          </p:nvPr>
+        </p:nvSpPr>
+        <p:spPr/>
+        <p:txBody>
+          <a:bodyPr/>
+          <a:lstStyle/>
+          <a:p>
+            <a:r>
+              <a:rPr lang="en-US" dirty="0"/>
+              <a:t>Apply DCNN to different data types</a:t>
+            </a:r>
+          </a:p>
+        </p:txBody>
+      </p:sp>
+      <p:sp>
+        <p:nvSpPr>
+          <p:cNvPr id="3" name="Content Placeholder 2">
+            <a:extLst>
+              <a:ext uri="{FF2B5EF4-FFF2-40B4-BE49-F238E27FC236}">
+                <a16:creationId xmlns:a16="http://schemas.microsoft.com/office/drawing/2014/main" id="{D7CCFDA9-00C1-4327-A375-695037CF694A}"/>
+              </a:ext>
+            </a:extLst>
+          </p:cNvPr>
+          <p:cNvSpPr>
+            <a:spLocks noGrp="1"/>
+          </p:cNvSpPr>
+          <p:nvPr>
+            <p:ph idx="1"/>
+          </p:nvPr>
+        </p:nvSpPr>
+        <p:spPr/>
+        <p:txBody>
+          <a:bodyPr/>
+          <a:lstStyle/>
+          <a:p>
+            <a:r>
+              <a:rPr lang="en-US" dirty="0"/>
+              <a:t>Images – We already discussed.</a:t>
+            </a:r>
+          </a:p>
+          <a:p>
+            <a:endParaRPr lang="en-US" dirty="0"/>
+          </a:p>
+          <a:p>
+            <a:r>
+              <a:rPr lang="en-US" dirty="0"/>
+              <a:t>Text and audio – Convolution and pooling layers in one dimension.</a:t>
+            </a:r>
+          </a:p>
+          <a:p>
+            <a:endParaRPr lang="en-US" dirty="0"/>
+          </a:p>
+          <a:p>
+            <a:r>
+              <a:rPr lang="en-US" dirty="0"/>
+              <a:t>Video – Convolution and pooling layers in three dimensions ( height * width * time)</a:t>
+            </a:r>
+          </a:p>
+          <a:p>
+            <a:endParaRPr lang="en-US" dirty="0"/>
+          </a:p>
+          <a:p>
+            <a:endParaRPr lang="en-US" dirty="0"/>
+          </a:p>
+        </p:txBody>
+      </p:sp>
+    </p:spTree>
+    <p:extLst>
+      <p:ext uri="{BB962C8B-B14F-4D97-AF65-F5344CB8AC3E}">
+        <p14:creationId xmlns:p14="http://schemas.microsoft.com/office/powerpoint/2010/main" val="1635500620"/>
+      </p:ext>
+    </p:extLst>
+  </p:cSld>
+  <p:clrMapOvr>
+    <a:masterClrMapping/>
+  </p:clrMapOvr>
+</p:sld>
+</file>
+
+<file path=ppt/slides/slide8.xml><?xml version="1.0" encoding="utf-8"?>
 <p:sld xmlns:a="http://schemas.openxmlformats.org/drawingml/2006/main" xmlns:r="http://schemas.openxmlformats.org/officeDocument/2006/relationships" xmlns:p="http://schemas.openxmlformats.org/presentationml/2006/main">
   <p:cSld>
     <p:spTree>

--- a/chapter3/Convolutional Neural network.pptx
+++ b/chapter3/Convolutional Neural network.pptx
@@ -12,7 +12,8 @@
     <p:sldId id="261" r:id="rId6"/>
     <p:sldId id="262" r:id="rId7"/>
     <p:sldId id="263" r:id="rId8"/>
-    <p:sldId id="257" r:id="rId9"/>
+    <p:sldId id="264" r:id="rId9"/>
+    <p:sldId id="257" r:id="rId10"/>
   </p:sldIdLst>
   <p:sldSz cx="12192000" cy="6858000"/>
   <p:notesSz cx="6858000" cy="9144000"/>
@@ -270,7 +271,7 @@
           <a:p>
             <a:fld id="{83CF4347-AEAB-4C26-9A65-019DDEA9D3C4}" type="datetimeFigureOut">
               <a:rPr lang="en-US" smtClean="0"/>
-              <a:t>11/4/2017</a:t>
+              <a:t>11/5/2017</a:t>
             </a:fld>
             <a:endParaRPr lang="en-US"/>
           </a:p>
@@ -468,7 +469,7 @@
           <a:p>
             <a:fld id="{83CF4347-AEAB-4C26-9A65-019DDEA9D3C4}" type="datetimeFigureOut">
               <a:rPr lang="en-US" smtClean="0"/>
-              <a:t>11/4/2017</a:t>
+              <a:t>11/5/2017</a:t>
             </a:fld>
             <a:endParaRPr lang="en-US"/>
           </a:p>
@@ -676,7 +677,7 @@
           <a:p>
             <a:fld id="{83CF4347-AEAB-4C26-9A65-019DDEA9D3C4}" type="datetimeFigureOut">
               <a:rPr lang="en-US" smtClean="0"/>
-              <a:t>11/4/2017</a:t>
+              <a:t>11/5/2017</a:t>
             </a:fld>
             <a:endParaRPr lang="en-US"/>
           </a:p>
@@ -874,7 +875,7 @@
           <a:p>
             <a:fld id="{83CF4347-AEAB-4C26-9A65-019DDEA9D3C4}" type="datetimeFigureOut">
               <a:rPr lang="en-US" smtClean="0"/>
-              <a:t>11/4/2017</a:t>
+              <a:t>11/5/2017</a:t>
             </a:fld>
             <a:endParaRPr lang="en-US"/>
           </a:p>
@@ -1149,7 +1150,7 @@
           <a:p>
             <a:fld id="{83CF4347-AEAB-4C26-9A65-019DDEA9D3C4}" type="datetimeFigureOut">
               <a:rPr lang="en-US" smtClean="0"/>
-              <a:t>11/4/2017</a:t>
+              <a:t>11/5/2017</a:t>
             </a:fld>
             <a:endParaRPr lang="en-US"/>
           </a:p>
@@ -1414,7 +1415,7 @@
           <a:p>
             <a:fld id="{83CF4347-AEAB-4C26-9A65-019DDEA9D3C4}" type="datetimeFigureOut">
               <a:rPr lang="en-US" smtClean="0"/>
-              <a:t>11/4/2017</a:t>
+              <a:t>11/5/2017</a:t>
             </a:fld>
             <a:endParaRPr lang="en-US"/>
           </a:p>
@@ -1826,7 +1827,7 @@
           <a:p>
             <a:fld id="{83CF4347-AEAB-4C26-9A65-019DDEA9D3C4}" type="datetimeFigureOut">
               <a:rPr lang="en-US" smtClean="0"/>
-              <a:t>11/4/2017</a:t>
+              <a:t>11/5/2017</a:t>
             </a:fld>
             <a:endParaRPr lang="en-US"/>
           </a:p>
@@ -1967,7 +1968,7 @@
           <a:p>
             <a:fld id="{83CF4347-AEAB-4C26-9A65-019DDEA9D3C4}" type="datetimeFigureOut">
               <a:rPr lang="en-US" smtClean="0"/>
-              <a:t>11/4/2017</a:t>
+              <a:t>11/5/2017</a:t>
             </a:fld>
             <a:endParaRPr lang="en-US"/>
           </a:p>
@@ -2080,7 +2081,7 @@
           <a:p>
             <a:fld id="{83CF4347-AEAB-4C26-9A65-019DDEA9D3C4}" type="datetimeFigureOut">
               <a:rPr lang="en-US" smtClean="0"/>
-              <a:t>11/4/2017</a:t>
+              <a:t>11/5/2017</a:t>
             </a:fld>
             <a:endParaRPr lang="en-US"/>
           </a:p>
@@ -2391,7 +2392,7 @@
           <a:p>
             <a:fld id="{83CF4347-AEAB-4C26-9A65-019DDEA9D3C4}" type="datetimeFigureOut">
               <a:rPr lang="en-US" smtClean="0"/>
-              <a:t>11/4/2017</a:t>
+              <a:t>11/5/2017</a:t>
             </a:fld>
             <a:endParaRPr lang="en-US"/>
           </a:p>
@@ -2679,7 +2680,7 @@
           <a:p>
             <a:fld id="{83CF4347-AEAB-4C26-9A65-019DDEA9D3C4}" type="datetimeFigureOut">
               <a:rPr lang="en-US" smtClean="0"/>
-              <a:t>11/4/2017</a:t>
+              <a:t>11/5/2017</a:t>
             </a:fld>
             <a:endParaRPr lang="en-US"/>
           </a:p>
@@ -2920,7 +2921,7 @@
           <a:p>
             <a:fld id="{83CF4347-AEAB-4C26-9A65-019DDEA9D3C4}" type="datetimeFigureOut">
               <a:rPr lang="en-US" smtClean="0"/>
-              <a:t>11/4/2017</a:t>
+              <a:t>11/5/2017</a:t>
             </a:fld>
             <a:endParaRPr lang="en-US"/>
           </a:p>
@@ -4375,7 +4376,7 @@
         <p:spPr>
           <a:xfrm>
             <a:off x="4953740" y="2618913"/>
-            <a:ext cx="5020285" cy="1754326"/>
+            <a:ext cx="5020285" cy="2031325"/>
           </a:xfrm>
           <a:prstGeom prst="rect">
             <a:avLst/>
@@ -4402,7 +4403,13 @@
           <a:p>
             <a:r>
               <a:rPr lang="en-US" dirty="0"/>
-              <a:t>or down = (28 -10) times (28-10) = 18 * 18</a:t>
+              <a:t>or down = (N-n+1) time (N-n+1)=</a:t>
+            </a:r>
+          </a:p>
+          <a:p>
+            <a:r>
+              <a:rPr lang="en-US" dirty="0"/>
+              <a:t>(28 -10+1) times (28-10+1) = 19 * 19</a:t>
             </a:r>
           </a:p>
           <a:p>
@@ -6016,6 +6023,113 @@
           <p:cNvPr id="2" name="Title 1">
             <a:extLst>
               <a:ext uri="{FF2B5EF4-FFF2-40B4-BE49-F238E27FC236}">
+                <a16:creationId xmlns:a16="http://schemas.microsoft.com/office/drawing/2014/main" id="{9CCAD6A2-07C7-4220-A3C0-450DE8034B93}"/>
+              </a:ext>
+            </a:extLst>
+          </p:cNvPr>
+          <p:cNvSpPr>
+            <a:spLocks noGrp="1"/>
+          </p:cNvSpPr>
+          <p:nvPr>
+            <p:ph type="title"/>
+          </p:nvPr>
+        </p:nvSpPr>
+        <p:spPr/>
+        <p:txBody>
+          <a:bodyPr/>
+          <a:lstStyle/>
+          <a:p>
+            <a:r>
+              <a:rPr lang="en-US" dirty="0"/>
+              <a:t>Prominent researchers in CNN		</a:t>
+            </a:r>
+          </a:p>
+        </p:txBody>
+      </p:sp>
+      <p:sp>
+        <p:nvSpPr>
+          <p:cNvPr id="3" name="Content Placeholder 2">
+            <a:extLst>
+              <a:ext uri="{FF2B5EF4-FFF2-40B4-BE49-F238E27FC236}">
+                <a16:creationId xmlns:a16="http://schemas.microsoft.com/office/drawing/2014/main" id="{FEF6B0CD-3ECD-42D5-8AE6-307018308FF9}"/>
+              </a:ext>
+            </a:extLst>
+          </p:cNvPr>
+          <p:cNvSpPr>
+            <a:spLocks noGrp="1"/>
+          </p:cNvSpPr>
+          <p:nvPr>
+            <p:ph idx="1"/>
+          </p:nvPr>
+        </p:nvSpPr>
+        <p:spPr/>
+        <p:txBody>
+          <a:bodyPr/>
+          <a:lstStyle/>
+          <a:p>
+            <a:r>
+              <a:rPr lang="en-US" dirty="0"/>
+              <a:t>Yann </a:t>
+            </a:r>
+            <a:r>
+              <a:rPr lang="en-US" dirty="0" err="1"/>
+              <a:t>LeCun</a:t>
+            </a:r>
+            <a:r>
+              <a:rPr lang="en-US" dirty="0"/>
+              <a:t>: </a:t>
+            </a:r>
+            <a:r>
+              <a:rPr lang="en-US" dirty="0">
+                <a:hlinkClick r:id="rId2"/>
+              </a:rPr>
+              <a:t>https://www.linkedin.com/in/yann-lecun-0b999/</a:t>
+            </a:r>
+            <a:endParaRPr lang="en-US" dirty="0"/>
+          </a:p>
+          <a:p>
+            <a:endParaRPr lang="en-US" dirty="0"/>
+          </a:p>
+          <a:p>
+            <a:endParaRPr lang="en-US" dirty="0"/>
+          </a:p>
+        </p:txBody>
+      </p:sp>
+    </p:spTree>
+    <p:extLst>
+      <p:ext uri="{BB962C8B-B14F-4D97-AF65-F5344CB8AC3E}">
+        <p14:creationId xmlns:p14="http://schemas.microsoft.com/office/powerpoint/2010/main" val="3868427459"/>
+      </p:ext>
+    </p:extLst>
+  </p:cSld>
+  <p:clrMapOvr>
+    <a:masterClrMapping/>
+  </p:clrMapOvr>
+</p:sld>
+</file>
+
+<file path=ppt/slides/slide9.xml><?xml version="1.0" encoding="utf-8"?>
+<p:sld xmlns:a="http://schemas.openxmlformats.org/drawingml/2006/main" xmlns:r="http://schemas.openxmlformats.org/officeDocument/2006/relationships" xmlns:p="http://schemas.openxmlformats.org/presentationml/2006/main">
+  <p:cSld>
+    <p:spTree>
+      <p:nvGrpSpPr>
+        <p:cNvPr id="1" name=""/>
+        <p:cNvGrpSpPr/>
+        <p:nvPr/>
+      </p:nvGrpSpPr>
+      <p:grpSpPr>
+        <a:xfrm>
+          <a:off x="0" y="0"/>
+          <a:ext cx="0" cy="0"/>
+          <a:chOff x="0" y="0"/>
+          <a:chExt cx="0" cy="0"/>
+        </a:xfrm>
+      </p:grpSpPr>
+      <p:sp>
+        <p:nvSpPr>
+          <p:cNvPr id="2" name="Title 1">
+            <a:extLst>
+              <a:ext uri="{FF2B5EF4-FFF2-40B4-BE49-F238E27FC236}">
                 <a16:creationId xmlns:a16="http://schemas.microsoft.com/office/drawing/2014/main" id="{116CDABD-8626-4558-B111-48DF0C80686D}"/>
               </a:ext>
             </a:extLst>
@@ -6060,7 +6174,10 @@
           <a:bodyPr/>
           <a:lstStyle/>
           <a:p>
-            <a:endParaRPr lang="en-US"/>
+            <a:r>
+              <a:rPr lang="en-US" dirty="0"/>
+              <a:t>Video on CNN, CS231n: https://www.youtube.com/watch?v=AQirPKrAyDg</a:t>
+            </a:r>
           </a:p>
         </p:txBody>
       </p:sp>
